--- a/writing/figures/study-flowchart.pptx
+++ b/writing/figures/study-flowchart.pptx
@@ -104,6 +104,11 @@
       </a:defRPr>
     </a:lvl9pPr>
   </p:defaultTextStyle>
+  <p:extLst>
+    <p:ext uri="{EFAFB233-063F-42B5-8137-9DF3F51BA10A}">
+      <p15:sldGuideLst xmlns:p15="http://schemas.microsoft.com/office/powerpoint/2012/main"/>
+    </p:ext>
+  </p:extLst>
 </p:presentation>
 </file>
 
@@ -254,7 +259,7 @@
           <a:p>
             <a:fld id="{1B5F836A-B74C-3E4C-8384-A2A5467DD743}" type="datetimeFigureOut">
               <a:rPr lang="en-US" smtClean="0"/>
-              <a:t>2/24/25</a:t>
+              <a:t>4/19/25</a:t>
             </a:fld>
             <a:endParaRPr lang="en-US"/>
           </a:p>
@@ -452,7 +457,7 @@
           <a:p>
             <a:fld id="{1B5F836A-B74C-3E4C-8384-A2A5467DD743}" type="datetimeFigureOut">
               <a:rPr lang="en-US" smtClean="0"/>
-              <a:t>2/24/25</a:t>
+              <a:t>4/19/25</a:t>
             </a:fld>
             <a:endParaRPr lang="en-US"/>
           </a:p>
@@ -660,7 +665,7 @@
           <a:p>
             <a:fld id="{1B5F836A-B74C-3E4C-8384-A2A5467DD743}" type="datetimeFigureOut">
               <a:rPr lang="en-US" smtClean="0"/>
-              <a:t>2/24/25</a:t>
+              <a:t>4/19/25</a:t>
             </a:fld>
             <a:endParaRPr lang="en-US"/>
           </a:p>
@@ -858,7 +863,7 @@
           <a:p>
             <a:fld id="{1B5F836A-B74C-3E4C-8384-A2A5467DD743}" type="datetimeFigureOut">
               <a:rPr lang="en-US" smtClean="0"/>
-              <a:t>2/24/25</a:t>
+              <a:t>4/19/25</a:t>
             </a:fld>
             <a:endParaRPr lang="en-US"/>
           </a:p>
@@ -1133,7 +1138,7 @@
           <a:p>
             <a:fld id="{1B5F836A-B74C-3E4C-8384-A2A5467DD743}" type="datetimeFigureOut">
               <a:rPr lang="en-US" smtClean="0"/>
-              <a:t>2/24/25</a:t>
+              <a:t>4/19/25</a:t>
             </a:fld>
             <a:endParaRPr lang="en-US"/>
           </a:p>
@@ -1398,7 +1403,7 @@
           <a:p>
             <a:fld id="{1B5F836A-B74C-3E4C-8384-A2A5467DD743}" type="datetimeFigureOut">
               <a:rPr lang="en-US" smtClean="0"/>
-              <a:t>2/24/25</a:t>
+              <a:t>4/19/25</a:t>
             </a:fld>
             <a:endParaRPr lang="en-US"/>
           </a:p>
@@ -1810,7 +1815,7 @@
           <a:p>
             <a:fld id="{1B5F836A-B74C-3E4C-8384-A2A5467DD743}" type="datetimeFigureOut">
               <a:rPr lang="en-US" smtClean="0"/>
-              <a:t>2/24/25</a:t>
+              <a:t>4/19/25</a:t>
             </a:fld>
             <a:endParaRPr lang="en-US"/>
           </a:p>
@@ -1951,7 +1956,7 @@
           <a:p>
             <a:fld id="{1B5F836A-B74C-3E4C-8384-A2A5467DD743}" type="datetimeFigureOut">
               <a:rPr lang="en-US" smtClean="0"/>
-              <a:t>2/24/25</a:t>
+              <a:t>4/19/25</a:t>
             </a:fld>
             <a:endParaRPr lang="en-US"/>
           </a:p>
@@ -2064,7 +2069,7 @@
           <a:p>
             <a:fld id="{1B5F836A-B74C-3E4C-8384-A2A5467DD743}" type="datetimeFigureOut">
               <a:rPr lang="en-US" smtClean="0"/>
-              <a:t>2/24/25</a:t>
+              <a:t>4/19/25</a:t>
             </a:fld>
             <a:endParaRPr lang="en-US"/>
           </a:p>
@@ -2375,7 +2380,7 @@
           <a:p>
             <a:fld id="{1B5F836A-B74C-3E4C-8384-A2A5467DD743}" type="datetimeFigureOut">
               <a:rPr lang="en-US" smtClean="0"/>
-              <a:t>2/24/25</a:t>
+              <a:t>4/19/25</a:t>
             </a:fld>
             <a:endParaRPr lang="en-US"/>
           </a:p>
@@ -2663,7 +2668,7 @@
           <a:p>
             <a:fld id="{1B5F836A-B74C-3E4C-8384-A2A5467DD743}" type="datetimeFigureOut">
               <a:rPr lang="en-US" smtClean="0"/>
-              <a:t>2/24/25</a:t>
+              <a:t>4/19/25</a:t>
             </a:fld>
             <a:endParaRPr lang="en-US"/>
           </a:p>
@@ -2904,7 +2909,7 @@
           <a:p>
             <a:fld id="{1B5F836A-B74C-3E4C-8384-A2A5467DD743}" type="datetimeFigureOut">
               <a:rPr lang="en-US" smtClean="0"/>
-              <a:t>2/24/25</a:t>
+              <a:t>4/19/25</a:t>
             </a:fld>
             <a:endParaRPr lang="en-US"/>
           </a:p>
@@ -3388,7 +3393,7 @@
         <p:spPr>
           <a:xfrm>
             <a:off x="3891596" y="723529"/>
-            <a:ext cx="2825325" cy="369332"/>
+            <a:ext cx="2918299" cy="369332"/>
           </a:xfrm>
           <a:prstGeom prst="rect">
             <a:avLst/>
@@ -3403,7 +3408,7 @@
           <a:p>
             <a:r>
               <a:rPr lang="en-US" dirty="0"/>
-              <a:t>Eligible Population (n=112)</a:t>
+              <a:t>Eligible Population (n = 112)</a:t>
             </a:r>
           </a:p>
         </p:txBody>
@@ -3474,8 +3479,8 @@
         </p:nvSpPr>
         <p:spPr>
           <a:xfrm>
-            <a:off x="7608822" y="2090004"/>
-            <a:ext cx="1901082" cy="646331"/>
+            <a:off x="7577292" y="1974392"/>
+            <a:ext cx="2123746" cy="923330"/>
           </a:xfrm>
           <a:prstGeom prst="rect">
             <a:avLst/>
@@ -3490,13 +3495,19 @@
           <a:p>
             <a:r>
               <a:rPr lang="en-US" dirty="0"/>
-              <a:t>Excluded (n=9) </a:t>
+              <a:t>Excluded (n = 9) </a:t>
             </a:r>
           </a:p>
           <a:p>
             <a:r>
               <a:rPr lang="en-US" dirty="0"/>
-              <a:t>- Under 12 (n=9)</a:t>
+              <a:t>- Under 12 (n = 9)</a:t>
+            </a:r>
+          </a:p>
+          <a:p>
+            <a:r>
+              <a:rPr lang="en-US" dirty="0"/>
+              <a:t>- Withdrawal (n=2)</a:t>
             </a:r>
           </a:p>
         </p:txBody>
@@ -3568,7 +3579,7 @@
         <p:spPr>
           <a:xfrm>
             <a:off x="3821995" y="3678478"/>
-            <a:ext cx="2964529" cy="369332"/>
+            <a:ext cx="3057504" cy="369332"/>
           </a:xfrm>
           <a:prstGeom prst="rect">
             <a:avLst/>
@@ -3583,7 +3594,7 @@
           <a:p>
             <a:r>
               <a:rPr lang="en-US" dirty="0"/>
-              <a:t>Included in Analysis (n=103)</a:t>
+              <a:t>Included in Analysis (n = 101)</a:t>
             </a:r>
           </a:p>
         </p:txBody>
@@ -3655,7 +3666,7 @@
         <p:spPr>
           <a:xfrm>
             <a:off x="2002369" y="5605062"/>
-            <a:ext cx="2452210" cy="369332"/>
+            <a:ext cx="2545184" cy="369332"/>
           </a:xfrm>
           <a:prstGeom prst="rect">
             <a:avLst/>
@@ -3670,7 +3681,7 @@
           <a:p>
             <a:r>
               <a:rPr lang="en-US" dirty="0"/>
-              <a:t>Admitted to ICU (n=20)</a:t>
+              <a:t>Admitted to ICU (n = 19)</a:t>
             </a:r>
           </a:p>
         </p:txBody>
@@ -3763,7 +3774,7 @@
           <a:p>
             <a:r>
               <a:rPr lang="en-US" dirty="0"/>
-              <a:t>Transferred to Psychiatry (n=83)</a:t>
+              <a:t>Transferred to Psychiatry (n = 82)</a:t>
             </a:r>
           </a:p>
         </p:txBody>

--- a/writing/figures/study-flowchart.pptx
+++ b/writing/figures/study-flowchart.pptx
@@ -259,7 +259,7 @@
           <a:p>
             <a:fld id="{1B5F836A-B74C-3E4C-8384-A2A5467DD743}" type="datetimeFigureOut">
               <a:rPr lang="en-US" smtClean="0"/>
-              <a:t>4/19/25</a:t>
+              <a:t>8/2/25</a:t>
             </a:fld>
             <a:endParaRPr lang="en-US"/>
           </a:p>
@@ -457,7 +457,7 @@
           <a:p>
             <a:fld id="{1B5F836A-B74C-3E4C-8384-A2A5467DD743}" type="datetimeFigureOut">
               <a:rPr lang="en-US" smtClean="0"/>
-              <a:t>4/19/25</a:t>
+              <a:t>8/2/25</a:t>
             </a:fld>
             <a:endParaRPr lang="en-US"/>
           </a:p>
@@ -665,7 +665,7 @@
           <a:p>
             <a:fld id="{1B5F836A-B74C-3E4C-8384-A2A5467DD743}" type="datetimeFigureOut">
               <a:rPr lang="en-US" smtClean="0"/>
-              <a:t>4/19/25</a:t>
+              <a:t>8/2/25</a:t>
             </a:fld>
             <a:endParaRPr lang="en-US"/>
           </a:p>
@@ -863,7 +863,7 @@
           <a:p>
             <a:fld id="{1B5F836A-B74C-3E4C-8384-A2A5467DD743}" type="datetimeFigureOut">
               <a:rPr lang="en-US" smtClean="0"/>
-              <a:t>4/19/25</a:t>
+              <a:t>8/2/25</a:t>
             </a:fld>
             <a:endParaRPr lang="en-US"/>
           </a:p>
@@ -1138,7 +1138,7 @@
           <a:p>
             <a:fld id="{1B5F836A-B74C-3E4C-8384-A2A5467DD743}" type="datetimeFigureOut">
               <a:rPr lang="en-US" smtClean="0"/>
-              <a:t>4/19/25</a:t>
+              <a:t>8/2/25</a:t>
             </a:fld>
             <a:endParaRPr lang="en-US"/>
           </a:p>
@@ -1403,7 +1403,7 @@
           <a:p>
             <a:fld id="{1B5F836A-B74C-3E4C-8384-A2A5467DD743}" type="datetimeFigureOut">
               <a:rPr lang="en-US" smtClean="0"/>
-              <a:t>4/19/25</a:t>
+              <a:t>8/2/25</a:t>
             </a:fld>
             <a:endParaRPr lang="en-US"/>
           </a:p>
@@ -1815,7 +1815,7 @@
           <a:p>
             <a:fld id="{1B5F836A-B74C-3E4C-8384-A2A5467DD743}" type="datetimeFigureOut">
               <a:rPr lang="en-US" smtClean="0"/>
-              <a:t>4/19/25</a:t>
+              <a:t>8/2/25</a:t>
             </a:fld>
             <a:endParaRPr lang="en-US"/>
           </a:p>
@@ -1956,7 +1956,7 @@
           <a:p>
             <a:fld id="{1B5F836A-B74C-3E4C-8384-A2A5467DD743}" type="datetimeFigureOut">
               <a:rPr lang="en-US" smtClean="0"/>
-              <a:t>4/19/25</a:t>
+              <a:t>8/2/25</a:t>
             </a:fld>
             <a:endParaRPr lang="en-US"/>
           </a:p>
@@ -2069,7 +2069,7 @@
           <a:p>
             <a:fld id="{1B5F836A-B74C-3E4C-8384-A2A5467DD743}" type="datetimeFigureOut">
               <a:rPr lang="en-US" smtClean="0"/>
-              <a:t>4/19/25</a:t>
+              <a:t>8/2/25</a:t>
             </a:fld>
             <a:endParaRPr lang="en-US"/>
           </a:p>
@@ -2380,7 +2380,7 @@
           <a:p>
             <a:fld id="{1B5F836A-B74C-3E4C-8384-A2A5467DD743}" type="datetimeFigureOut">
               <a:rPr lang="en-US" smtClean="0"/>
-              <a:t>4/19/25</a:t>
+              <a:t>8/2/25</a:t>
             </a:fld>
             <a:endParaRPr lang="en-US"/>
           </a:p>
@@ -2668,7 +2668,7 @@
           <a:p>
             <a:fld id="{1B5F836A-B74C-3E4C-8384-A2A5467DD743}" type="datetimeFigureOut">
               <a:rPr lang="en-US" smtClean="0"/>
-              <a:t>4/19/25</a:t>
+              <a:t>8/2/25</a:t>
             </a:fld>
             <a:endParaRPr lang="en-US"/>
           </a:p>
@@ -2909,7 +2909,7 @@
           <a:p>
             <a:fld id="{1B5F836A-B74C-3E4C-8384-A2A5467DD743}" type="datetimeFigureOut">
               <a:rPr lang="en-US" smtClean="0"/>
-              <a:t>4/19/25</a:t>
+              <a:t>8/2/25</a:t>
             </a:fld>
             <a:endParaRPr lang="en-US"/>
           </a:p>
@@ -3393,7 +3393,7 @@
         <p:spPr>
           <a:xfrm>
             <a:off x="3891596" y="723529"/>
-            <a:ext cx="2918299" cy="369332"/>
+            <a:ext cx="2923749" cy="369332"/>
           </a:xfrm>
           <a:prstGeom prst="rect">
             <a:avLst/>
@@ -3408,7 +3408,7 @@
           <a:p>
             <a:r>
               <a:rPr lang="en-US" dirty="0"/>
-              <a:t>Eligible Population (n = 112)</a:t>
+              <a:t>Eligible population (n = 112)</a:t>
             </a:r>
           </a:p>
         </p:txBody>
@@ -3480,7 +3480,7 @@
         <p:spPr>
           <a:xfrm>
             <a:off x="7577292" y="1974392"/>
-            <a:ext cx="2123746" cy="923330"/>
+            <a:ext cx="2670284" cy="923330"/>
           </a:xfrm>
           <a:prstGeom prst="rect">
             <a:avLst/>
@@ -3501,13 +3501,13 @@
           <a:p>
             <a:r>
               <a:rPr lang="en-US" dirty="0"/>
-              <a:t>- Under 12 (n = 9)</a:t>
+              <a:t>- under 12 years (n = 9)</a:t>
             </a:r>
           </a:p>
           <a:p>
             <a:r>
               <a:rPr lang="en-US" dirty="0"/>
-              <a:t>- Withdrawal (n=2)</a:t>
+              <a:t>- withdrawal (n=2)</a:t>
             </a:r>
           </a:p>
         </p:txBody>
@@ -3579,7 +3579,7 @@
         <p:spPr>
           <a:xfrm>
             <a:off x="3821995" y="3678478"/>
-            <a:ext cx="3057504" cy="369332"/>
+            <a:ext cx="3044680" cy="369332"/>
           </a:xfrm>
           <a:prstGeom prst="rect">
             <a:avLst/>
@@ -3594,7 +3594,7 @@
           <a:p>
             <a:r>
               <a:rPr lang="en-US" dirty="0"/>
-              <a:t>Included in Analysis (n = 101)</a:t>
+              <a:t>Included in analysis (n = 101)</a:t>
             </a:r>
           </a:p>
         </p:txBody>
@@ -3665,8 +3665,8 @@
         </p:nvSpPr>
         <p:spPr>
           <a:xfrm>
-            <a:off x="2002369" y="5605062"/>
-            <a:ext cx="2545184" cy="369332"/>
+            <a:off x="2035550" y="5466562"/>
+            <a:ext cx="2385848" cy="646331"/>
           </a:xfrm>
           <a:prstGeom prst="rect">
             <a:avLst/>
@@ -3674,14 +3674,20 @@
           <a:noFill/>
         </p:spPr>
         <p:txBody>
-          <a:bodyPr wrap="none" rtlCol="0">
+          <a:bodyPr wrap="square" rtlCol="0">
             <a:spAutoFit/>
           </a:bodyPr>
           <a:lstStyle/>
           <a:p>
             <a:r>
               <a:rPr lang="en-US" dirty="0"/>
-              <a:t>Admitted to ICU (n = 19)</a:t>
+              <a:t>Admitted to intensive </a:t>
+            </a:r>
+          </a:p>
+          <a:p>
+            <a:r>
+              <a:rPr lang="en-US" dirty="0"/>
+              <a:t>care unit (n = 19)</a:t>
             </a:r>
           </a:p>
         </p:txBody>
@@ -3752,8 +3758,8 @@
         </p:nvSpPr>
         <p:spPr>
           <a:xfrm>
-            <a:off x="5819225" y="5466562"/>
-            <a:ext cx="3446393" cy="646331"/>
+            <a:off x="5817402" y="5341495"/>
+            <a:ext cx="3582840" cy="923330"/>
           </a:xfrm>
           <a:prstGeom prst="rect">
             <a:avLst/>
@@ -3768,13 +3774,19 @@
           <a:p>
             <a:r>
               <a:rPr lang="en-US" dirty="0"/>
-              <a:t>Admitted to GMF, Discharged, or </a:t>
+              <a:t>Admitted to general medical floor, </a:t>
             </a:r>
           </a:p>
           <a:p>
             <a:r>
               <a:rPr lang="en-US" dirty="0"/>
-              <a:t>Transferred to Psychiatry (n = 82)</a:t>
+              <a:t>discharged, or transferred to </a:t>
+            </a:r>
+          </a:p>
+          <a:p>
+            <a:r>
+              <a:rPr lang="en-US" dirty="0"/>
+              <a:t>psychiatry (n = 82)</a:t>
             </a:r>
           </a:p>
         </p:txBody>

--- a/writing/figures/study-flowchart.pptx
+++ b/writing/figures/study-flowchart.pptx
@@ -259,7 +259,7 @@
           <a:p>
             <a:fld id="{1B5F836A-B74C-3E4C-8384-A2A5467DD743}" type="datetimeFigureOut">
               <a:rPr lang="en-US" smtClean="0"/>
-              <a:t>4/19/25</a:t>
+              <a:t>8/9/25</a:t>
             </a:fld>
             <a:endParaRPr lang="en-US"/>
           </a:p>
@@ -457,7 +457,7 @@
           <a:p>
             <a:fld id="{1B5F836A-B74C-3E4C-8384-A2A5467DD743}" type="datetimeFigureOut">
               <a:rPr lang="en-US" smtClean="0"/>
-              <a:t>4/19/25</a:t>
+              <a:t>8/9/25</a:t>
             </a:fld>
             <a:endParaRPr lang="en-US"/>
           </a:p>
@@ -665,7 +665,7 @@
           <a:p>
             <a:fld id="{1B5F836A-B74C-3E4C-8384-A2A5467DD743}" type="datetimeFigureOut">
               <a:rPr lang="en-US" smtClean="0"/>
-              <a:t>4/19/25</a:t>
+              <a:t>8/9/25</a:t>
             </a:fld>
             <a:endParaRPr lang="en-US"/>
           </a:p>
@@ -863,7 +863,7 @@
           <a:p>
             <a:fld id="{1B5F836A-B74C-3E4C-8384-A2A5467DD743}" type="datetimeFigureOut">
               <a:rPr lang="en-US" smtClean="0"/>
-              <a:t>4/19/25</a:t>
+              <a:t>8/9/25</a:t>
             </a:fld>
             <a:endParaRPr lang="en-US"/>
           </a:p>
@@ -1138,7 +1138,7 @@
           <a:p>
             <a:fld id="{1B5F836A-B74C-3E4C-8384-A2A5467DD743}" type="datetimeFigureOut">
               <a:rPr lang="en-US" smtClean="0"/>
-              <a:t>4/19/25</a:t>
+              <a:t>8/9/25</a:t>
             </a:fld>
             <a:endParaRPr lang="en-US"/>
           </a:p>
@@ -1403,7 +1403,7 @@
           <a:p>
             <a:fld id="{1B5F836A-B74C-3E4C-8384-A2A5467DD743}" type="datetimeFigureOut">
               <a:rPr lang="en-US" smtClean="0"/>
-              <a:t>4/19/25</a:t>
+              <a:t>8/9/25</a:t>
             </a:fld>
             <a:endParaRPr lang="en-US"/>
           </a:p>
@@ -1815,7 +1815,7 @@
           <a:p>
             <a:fld id="{1B5F836A-B74C-3E4C-8384-A2A5467DD743}" type="datetimeFigureOut">
               <a:rPr lang="en-US" smtClean="0"/>
-              <a:t>4/19/25</a:t>
+              <a:t>8/9/25</a:t>
             </a:fld>
             <a:endParaRPr lang="en-US"/>
           </a:p>
@@ -1956,7 +1956,7 @@
           <a:p>
             <a:fld id="{1B5F836A-B74C-3E4C-8384-A2A5467DD743}" type="datetimeFigureOut">
               <a:rPr lang="en-US" smtClean="0"/>
-              <a:t>4/19/25</a:t>
+              <a:t>8/9/25</a:t>
             </a:fld>
             <a:endParaRPr lang="en-US"/>
           </a:p>
@@ -2069,7 +2069,7 @@
           <a:p>
             <a:fld id="{1B5F836A-B74C-3E4C-8384-A2A5467DD743}" type="datetimeFigureOut">
               <a:rPr lang="en-US" smtClean="0"/>
-              <a:t>4/19/25</a:t>
+              <a:t>8/9/25</a:t>
             </a:fld>
             <a:endParaRPr lang="en-US"/>
           </a:p>
@@ -2380,7 +2380,7 @@
           <a:p>
             <a:fld id="{1B5F836A-B74C-3E4C-8384-A2A5467DD743}" type="datetimeFigureOut">
               <a:rPr lang="en-US" smtClean="0"/>
-              <a:t>4/19/25</a:t>
+              <a:t>8/9/25</a:t>
             </a:fld>
             <a:endParaRPr lang="en-US"/>
           </a:p>
@@ -2668,7 +2668,7 @@
           <a:p>
             <a:fld id="{1B5F836A-B74C-3E4C-8384-A2A5467DD743}" type="datetimeFigureOut">
               <a:rPr lang="en-US" smtClean="0"/>
-              <a:t>4/19/25</a:t>
+              <a:t>8/9/25</a:t>
             </a:fld>
             <a:endParaRPr lang="en-US"/>
           </a:p>
@@ -2909,7 +2909,7 @@
           <a:p>
             <a:fld id="{1B5F836A-B74C-3E4C-8384-A2A5467DD743}" type="datetimeFigureOut">
               <a:rPr lang="en-US" smtClean="0"/>
-              <a:t>4/19/25</a:t>
+              <a:t>8/9/25</a:t>
             </a:fld>
             <a:endParaRPr lang="en-US"/>
           </a:p>
@@ -3393,7 +3393,7 @@
         <p:spPr>
           <a:xfrm>
             <a:off x="3891596" y="723529"/>
-            <a:ext cx="2918299" cy="369332"/>
+            <a:ext cx="2923749" cy="369332"/>
           </a:xfrm>
           <a:prstGeom prst="rect">
             <a:avLst/>
@@ -3408,7 +3408,15 @@
           <a:p>
             <a:r>
               <a:rPr lang="en-US" dirty="0"/>
-              <a:t>Eligible Population (n = 112)</a:t>
+              <a:t>Eligible population (</a:t>
+            </a:r>
+            <a:r>
+              <a:rPr lang="en-US" i="1" dirty="0"/>
+              <a:t>n</a:t>
+            </a:r>
+            <a:r>
+              <a:rPr lang="en-US" dirty="0"/>
+              <a:t> = 112)</a:t>
             </a:r>
           </a:p>
         </p:txBody>
@@ -3479,8 +3487,8 @@
         </p:nvSpPr>
         <p:spPr>
           <a:xfrm>
-            <a:off x="7577292" y="1974392"/>
-            <a:ext cx="2123746" cy="923330"/>
+            <a:off x="7577291" y="1974392"/>
+            <a:ext cx="2897393" cy="923330"/>
           </a:xfrm>
           <a:prstGeom prst="rect">
             <a:avLst/>
@@ -3495,19 +3503,43 @@
           <a:p>
             <a:r>
               <a:rPr lang="en-US" dirty="0"/>
-              <a:t>Excluded (n = 9) </a:t>
-            </a:r>
-          </a:p>
-          <a:p>
+              <a:t>Excluded (</a:t>
+            </a:r>
+            <a:r>
+              <a:rPr lang="en-US" i="1" dirty="0"/>
+              <a:t>n</a:t>
+            </a:r>
             <a:r>
               <a:rPr lang="en-US" dirty="0"/>
-              <a:t>- Under 12 (n = 9)</a:t>
+              <a:t> = 9) </a:t>
             </a:r>
           </a:p>
           <a:p>
             <a:r>
               <a:rPr lang="en-US" dirty="0"/>
-              <a:t>- Withdrawal (n=2)</a:t>
+              <a:t>- under 12 years  (</a:t>
+            </a:r>
+            <a:r>
+              <a:rPr lang="en-US" i="1" dirty="0"/>
+              <a:t>n</a:t>
+            </a:r>
+            <a:r>
+              <a:rPr lang="en-US" dirty="0"/>
+              <a:t> = 9)</a:t>
+            </a:r>
+          </a:p>
+          <a:p>
+            <a:r>
+              <a:rPr lang="en-US" dirty="0"/>
+              <a:t>- withdrawal (</a:t>
+            </a:r>
+            <a:r>
+              <a:rPr lang="en-US" i="1" dirty="0"/>
+              <a:t>n</a:t>
+            </a:r>
+            <a:r>
+              <a:rPr lang="en-US" dirty="0"/>
+              <a:t>=2)</a:t>
             </a:r>
           </a:p>
         </p:txBody>
@@ -3579,7 +3611,7 @@
         <p:spPr>
           <a:xfrm>
             <a:off x="3821995" y="3678478"/>
-            <a:ext cx="3057504" cy="369332"/>
+            <a:ext cx="3044680" cy="369332"/>
           </a:xfrm>
           <a:prstGeom prst="rect">
             <a:avLst/>
@@ -3594,7 +3626,15 @@
           <a:p>
             <a:r>
               <a:rPr lang="en-US" dirty="0"/>
-              <a:t>Included in Analysis (n = 101)</a:t>
+              <a:t>Included in analysis (</a:t>
+            </a:r>
+            <a:r>
+              <a:rPr lang="en-US" i="1" dirty="0"/>
+              <a:t>n</a:t>
+            </a:r>
+            <a:r>
+              <a:rPr lang="en-US" dirty="0"/>
+              <a:t> = 101)</a:t>
             </a:r>
           </a:p>
         </p:txBody>
@@ -3665,8 +3705,8 @@
         </p:nvSpPr>
         <p:spPr>
           <a:xfrm>
-            <a:off x="2002369" y="5605062"/>
-            <a:ext cx="2545184" cy="369332"/>
+            <a:off x="1750122" y="5447827"/>
+            <a:ext cx="2956703" cy="646331"/>
           </a:xfrm>
           <a:prstGeom prst="rect">
             <a:avLst/>
@@ -3674,14 +3714,22 @@
           <a:noFill/>
         </p:spPr>
         <p:txBody>
-          <a:bodyPr wrap="none" rtlCol="0">
+          <a:bodyPr wrap="square" rtlCol="0">
             <a:spAutoFit/>
           </a:bodyPr>
           <a:lstStyle/>
           <a:p>
             <a:r>
               <a:rPr lang="en-US" dirty="0"/>
-              <a:t>Admitted to ICU (n = 19)</a:t>
+              <a:t>Admitted to intensive care unit (</a:t>
+            </a:r>
+            <a:r>
+              <a:rPr lang="en-US" i="1" dirty="0"/>
+              <a:t>n</a:t>
+            </a:r>
+            <a:r>
+              <a:rPr lang="en-US" dirty="0"/>
+              <a:t> = 19)</a:t>
             </a:r>
           </a:p>
         </p:txBody>
@@ -3752,8 +3800,8 @@
         </p:nvSpPr>
         <p:spPr>
           <a:xfrm>
-            <a:off x="5819225" y="5466562"/>
-            <a:ext cx="3446393" cy="646331"/>
+            <a:off x="5817402" y="5340812"/>
+            <a:ext cx="3582840" cy="923330"/>
           </a:xfrm>
           <a:prstGeom prst="rect">
             <a:avLst/>
@@ -3768,13 +3816,27 @@
           <a:p>
             <a:r>
               <a:rPr lang="en-US" dirty="0"/>
-              <a:t>Admitted to GMF, Discharged, or </a:t>
+              <a:t>Admitted to general medical floor, </a:t>
             </a:r>
           </a:p>
           <a:p>
             <a:r>
               <a:rPr lang="en-US" dirty="0"/>
-              <a:t>Transferred to Psychiatry (n = 82)</a:t>
+              <a:t>discharged, or transferred to </a:t>
+            </a:r>
+          </a:p>
+          <a:p>
+            <a:r>
+              <a:rPr lang="en-US" dirty="0"/>
+              <a:t>psychiatry (</a:t>
+            </a:r>
+            <a:r>
+              <a:rPr lang="en-US" i="1" dirty="0"/>
+              <a:t>n</a:t>
+            </a:r>
+            <a:r>
+              <a:rPr lang="en-US" dirty="0"/>
+              <a:t> = 82)</a:t>
             </a:r>
           </a:p>
         </p:txBody>
